--- a/Presentations/Open Repositories 2015/ORCommunities40x40.pptx
+++ b/Presentations/Open Repositories 2015/ORCommunities40x40.pptx
@@ -5,10 +5,11 @@
     <p:sldMasterId id="2147483648" r:id="rId1"/>
   </p:sldMasterIdLst>
   <p:notesMasterIdLst>
-    <p:notesMasterId r:id="rId3"/>
+    <p:notesMasterId r:id="rId4"/>
   </p:notesMasterIdLst>
   <p:sldIdLst>
     <p:sldId id="259" r:id="rId2"/>
+    <p:sldId id="260" r:id="rId3"/>
   </p:sldIdLst>
   <p:sldSz cx="36576000" cy="36576000"/>
   <p:notesSz cx="6858000" cy="9144000"/>
@@ -505,20 +506,27 @@
           <a:lstStyle/>
           <a:p>
             <a:r>
-              <a:rPr lang="en-US" smtClean="0"/>
-              <a:t>-Recommended </a:t>
-            </a:r>
-            <a:r>
               <a:rPr lang="en-US" dirty="0" smtClean="0"/>
-              <a:t>font sizes for </a:t>
-            </a:r>
-            <a:r>
-              <a:rPr lang="en-US" smtClean="0"/>
-              <a:t>40x40 posters?</a:t>
-            </a:r>
-          </a:p>
-          <a:p>
-            <a:endParaRPr lang="en-US"/>
+              <a:t>-Recommended font sizes for 40x40 posters</a:t>
+            </a:r>
+            <a:r>
+              <a:rPr lang="en-US" dirty="0" smtClean="0"/>
+              <a:t>?</a:t>
+            </a:r>
+          </a:p>
+          <a:p>
+            <a:r>
+              <a:rPr lang="en-US" dirty="0" smtClean="0"/>
+              <a:t>-What’s the right size </a:t>
+            </a:r>
+            <a:r>
+              <a:rPr lang="en-US" smtClean="0"/>
+              <a:t>for posters?</a:t>
+            </a:r>
+            <a:endParaRPr lang="en-US" smtClean="0"/>
+          </a:p>
+          <a:p>
+            <a:endParaRPr lang="en-US" dirty="0"/>
           </a:p>
         </p:txBody>
       </p:sp>
@@ -549,6 +557,94 @@
     <p:extLst>
       <p:ext uri="{BB962C8B-B14F-4D97-AF65-F5344CB8AC3E}">
         <p14:creationId xmlns:p14="http://schemas.microsoft.com/office/powerpoint/2010/main" val="3178737110"/>
+      </p:ext>
+    </p:extLst>
+  </p:cSld>
+  <p:clrMapOvr>
+    <a:masterClrMapping/>
+  </p:clrMapOvr>
+</p:notes>
+</file>
+
+<file path=ppt/notesSlides/notesSlide2.xml><?xml version="1.0" encoding="utf-8"?>
+<p:notes xmlns:a="http://schemas.openxmlformats.org/drawingml/2006/main" xmlns:r="http://schemas.openxmlformats.org/officeDocument/2006/relationships" xmlns:p="http://schemas.openxmlformats.org/presentationml/2006/main">
+  <p:cSld>
+    <p:spTree>
+      <p:nvGrpSpPr>
+        <p:cNvPr id="1" name=""/>
+        <p:cNvGrpSpPr/>
+        <p:nvPr/>
+      </p:nvGrpSpPr>
+      <p:grpSpPr>
+        <a:xfrm>
+          <a:off x="0" y="0"/>
+          <a:ext cx="0" cy="0"/>
+          <a:chOff x="0" y="0"/>
+          <a:chExt cx="0" cy="0"/>
+        </a:xfrm>
+      </p:grpSpPr>
+      <p:sp>
+        <p:nvSpPr>
+          <p:cNvPr id="2" name="Slide Image Placeholder 1"/>
+          <p:cNvSpPr>
+            <a:spLocks noGrp="1" noRot="1" noChangeAspect="1"/>
+          </p:cNvSpPr>
+          <p:nvPr>
+            <p:ph type="sldImg"/>
+          </p:nvPr>
+        </p:nvSpPr>
+        <p:spPr/>
+      </p:sp>
+      <p:sp>
+        <p:nvSpPr>
+          <p:cNvPr id="3" name="Notes Placeholder 2"/>
+          <p:cNvSpPr>
+            <a:spLocks noGrp="1"/>
+          </p:cNvSpPr>
+          <p:nvPr>
+            <p:ph type="body" idx="1"/>
+          </p:nvPr>
+        </p:nvSpPr>
+        <p:spPr/>
+        <p:txBody>
+          <a:bodyPr/>
+          <a:lstStyle/>
+          <a:p>
+            <a:r>
+              <a:rPr lang="en-US" dirty="0" smtClean="0"/>
+              <a:t>Color scheme</a:t>
+            </a:r>
+            <a:endParaRPr lang="en-US" dirty="0"/>
+          </a:p>
+        </p:txBody>
+      </p:sp>
+      <p:sp>
+        <p:nvSpPr>
+          <p:cNvPr id="4" name="Slide Number Placeholder 3"/>
+          <p:cNvSpPr>
+            <a:spLocks noGrp="1"/>
+          </p:cNvSpPr>
+          <p:nvPr>
+            <p:ph type="sldNum" sz="quarter" idx="10"/>
+          </p:nvPr>
+        </p:nvSpPr>
+        <p:spPr/>
+        <p:txBody>
+          <a:bodyPr/>
+          <a:lstStyle/>
+          <a:p>
+            <a:fld id="{09433A41-3688-D149-9DB2-964966365024}" type="slidenum">
+              <a:rPr lang="en-US" smtClean="0"/>
+              <a:t>2</a:t>
+            </a:fld>
+            <a:endParaRPr lang="en-US"/>
+          </a:p>
+        </p:txBody>
+      </p:sp>
+    </p:spTree>
+    <p:extLst>
+      <p:ext uri="{BB962C8B-B14F-4D97-AF65-F5344CB8AC3E}">
+        <p14:creationId xmlns:p14="http://schemas.microsoft.com/office/powerpoint/2010/main" val="692870958"/>
       </p:ext>
     </p:extLst>
   </p:cSld>
@@ -4513,10 +4609,6 @@
               </a:rPr>
               <a:t>.</a:t>
             </a:r>
-            <a:endParaRPr lang="en-US" sz="2000" dirty="0">
-              <a:latin typeface="Helvetica"/>
-              <a:cs typeface="Helvetica"/>
-            </a:endParaRPr>
           </a:p>
         </p:txBody>
       </p:sp>
@@ -4934,10 +5026,6 @@
               </a:rPr>
               <a:t>.</a:t>
             </a:r>
-            <a:endParaRPr lang="en-US" sz="2000" dirty="0">
-              <a:latin typeface="Helvetica"/>
-              <a:cs typeface="Helvetica"/>
-            </a:endParaRPr>
           </a:p>
         </p:txBody>
       </p:sp>
@@ -5351,10 +5439,6 @@
               </a:rPr>
               <a:t>. </a:t>
             </a:r>
-            <a:endParaRPr lang="en-US" sz="2000" dirty="0">
-              <a:latin typeface="Helvetica"/>
-              <a:cs typeface="Helvetica"/>
-            </a:endParaRPr>
           </a:p>
         </p:txBody>
       </p:sp>
@@ -5416,10 +5500,6 @@
               </a:rPr>
               <a:t>Northeastern University Libraries</a:t>
             </a:r>
-            <a:endParaRPr lang="en-US" sz="6000" dirty="0">
-              <a:latin typeface="Garamond"/>
-              <a:cs typeface="Garamond"/>
-            </a:endParaRPr>
           </a:p>
         </p:txBody>
       </p:sp>
@@ -5484,7 +5564,7 @@
       </p:sp>
       <p:pic>
         <p:nvPicPr>
-          <p:cNvPr id="2" name="Picture 1" descr="2015-05-02_2004.png"/>
+          <p:cNvPr id="3" name="Picture 2" descr="Cerberus_Logo.jpg"/>
           <p:cNvPicPr>
             <a:picLocks noChangeAspect="1"/>
           </p:cNvPicPr>
@@ -5492,36 +5572,6 @@
         </p:nvPicPr>
         <p:blipFill>
           <a:blip r:embed="rId3">
-            <a:extLst>
-              <a:ext uri="{28A0092B-C50C-407E-A947-70E740481C1C}">
-                <a14:useLocalDpi xmlns:a14="http://schemas.microsoft.com/office/drawing/2010/main" val="0"/>
-              </a:ext>
-            </a:extLst>
-          </a:blip>
-          <a:stretch>
-            <a:fillRect/>
-          </a:stretch>
-        </p:blipFill>
-        <p:spPr>
-          <a:xfrm>
-            <a:off x="20666889" y="14137358"/>
-            <a:ext cx="15012631" cy="2474276"/>
-          </a:xfrm>
-          <a:prstGeom prst="rect">
-            <a:avLst/>
-          </a:prstGeom>
-        </p:spPr>
-      </p:pic>
-      <p:pic>
-        <p:nvPicPr>
-          <p:cNvPr id="3" name="Picture 2" descr="Cerberus_Logo.jpg"/>
-          <p:cNvPicPr>
-            <a:picLocks noChangeAspect="1"/>
-          </p:cNvPicPr>
-          <p:nvPr/>
-        </p:nvPicPr>
-        <p:blipFill>
-          <a:blip r:embed="rId4">
             <a:extLst>
               <a:ext uri="{28A0092B-C50C-407E-A947-70E740481C1C}">
                 <a14:useLocalDpi xmlns:a14="http://schemas.microsoft.com/office/drawing/2010/main" val="0"/>
@@ -5542,10 +5592,430 @@
           </a:prstGeom>
         </p:spPr>
       </p:pic>
+      <p:pic>
+        <p:nvPicPr>
+          <p:cNvPr id="4" name="Picture 3" descr="DRS.png"/>
+          <p:cNvPicPr>
+            <a:picLocks noChangeAspect="1"/>
+          </p:cNvPicPr>
+          <p:nvPr/>
+        </p:nvPicPr>
+        <p:blipFill>
+          <a:blip r:embed="rId4">
+            <a:extLst>
+              <a:ext uri="{28A0092B-C50C-407E-A947-70E740481C1C}">
+                <a14:useLocalDpi xmlns:a14="http://schemas.microsoft.com/office/drawing/2010/main" val="0"/>
+              </a:ext>
+            </a:extLst>
+          </a:blip>
+          <a:stretch>
+            <a:fillRect/>
+          </a:stretch>
+        </p:blipFill>
+        <p:spPr>
+          <a:xfrm>
+            <a:off x="13924424" y="14287500"/>
+            <a:ext cx="21755100" cy="2667000"/>
+          </a:xfrm>
+          <a:prstGeom prst="rect">
+            <a:avLst/>
+          </a:prstGeom>
+        </p:spPr>
+      </p:pic>
     </p:spTree>
     <p:extLst>
       <p:ext uri="{BB962C8B-B14F-4D97-AF65-F5344CB8AC3E}">
         <p14:creationId xmlns:p14="http://schemas.microsoft.com/office/powerpoint/2010/main" val="1649770617"/>
+      </p:ext>
+    </p:extLst>
+  </p:cSld>
+  <p:clrMapOvr>
+    <a:masterClrMapping/>
+  </p:clrMapOvr>
+  <p:timing>
+    <p:tnLst>
+      <p:par>
+        <p:cTn xmlns:p14="http://schemas.microsoft.com/office/powerpoint/2010/main" id="1" dur="indefinite" restart="never" nodeType="tmRoot"/>
+      </p:par>
+    </p:tnLst>
+  </p:timing>
+</p:sld>
+</file>
+
+<file path=ppt/slides/slide2.xml><?xml version="1.0" encoding="utf-8"?>
+<p:sld xmlns:a="http://schemas.openxmlformats.org/drawingml/2006/main" xmlns:r="http://schemas.openxmlformats.org/officeDocument/2006/relationships" xmlns:p="http://schemas.openxmlformats.org/presentationml/2006/main">
+  <p:cSld>
+    <p:spTree>
+      <p:nvGrpSpPr>
+        <p:cNvPr id="1" name=""/>
+        <p:cNvGrpSpPr/>
+        <p:nvPr/>
+      </p:nvGrpSpPr>
+      <p:grpSpPr>
+        <a:xfrm>
+          <a:off x="0" y="0"/>
+          <a:ext cx="0" cy="0"/>
+          <a:chOff x="0" y="0"/>
+          <a:chExt cx="0" cy="0"/>
+        </a:xfrm>
+      </p:grpSpPr>
+      <p:sp>
+        <p:nvSpPr>
+          <p:cNvPr id="2" name="Rectangle 1"/>
+          <p:cNvSpPr/>
+          <p:nvPr/>
+        </p:nvSpPr>
+        <p:spPr>
+          <a:xfrm rot="5400000">
+            <a:off x="16627116" y="-6661840"/>
+            <a:ext cx="3321760" cy="36576000"/>
+          </a:xfrm>
+          <a:prstGeom prst="rect">
+            <a:avLst/>
+          </a:prstGeom>
+          <a:solidFill>
+            <a:srgbClr val="D7DFE1"/>
+          </a:solidFill>
+          <a:ln>
+            <a:noFill/>
+          </a:ln>
+          <a:effectLst/>
+        </p:spPr>
+        <p:style>
+          <a:lnRef idx="1">
+            <a:schemeClr val="accent1"/>
+          </a:lnRef>
+          <a:fillRef idx="3">
+            <a:schemeClr val="accent1"/>
+          </a:fillRef>
+          <a:effectRef idx="2">
+            <a:schemeClr val="accent1"/>
+          </a:effectRef>
+          <a:fontRef idx="minor">
+            <a:schemeClr val="lt1"/>
+          </a:fontRef>
+        </p:style>
+        <p:txBody>
+          <a:bodyPr lIns="417913" tIns="208954" rIns="417913" bIns="208954" rtlCol="0" anchor="ctr"/>
+          <a:lstStyle/>
+          <a:p>
+            <a:pPr algn="ctr"/>
+            <a:endParaRPr lang="en-US">
+              <a:latin typeface="Helvetica"/>
+              <a:cs typeface="Helvetica"/>
+            </a:endParaRPr>
+          </a:p>
+        </p:txBody>
+      </p:sp>
+      <p:sp>
+        <p:nvSpPr>
+          <p:cNvPr id="3" name="Rectangle 2"/>
+          <p:cNvSpPr/>
+          <p:nvPr/>
+        </p:nvSpPr>
+        <p:spPr>
+          <a:xfrm rot="5400000">
+            <a:off x="16627116" y="-13152960"/>
+            <a:ext cx="3321760" cy="36576000"/>
+          </a:xfrm>
+          <a:prstGeom prst="rect">
+            <a:avLst/>
+          </a:prstGeom>
+          <a:solidFill>
+            <a:srgbClr val="FFFFFF"/>
+          </a:solidFill>
+          <a:ln>
+            <a:noFill/>
+          </a:ln>
+          <a:effectLst/>
+        </p:spPr>
+        <p:style>
+          <a:lnRef idx="1">
+            <a:schemeClr val="accent1"/>
+          </a:lnRef>
+          <a:fillRef idx="3">
+            <a:schemeClr val="accent1"/>
+          </a:fillRef>
+          <a:effectRef idx="2">
+            <a:schemeClr val="accent1"/>
+          </a:effectRef>
+          <a:fontRef idx="minor">
+            <a:schemeClr val="lt1"/>
+          </a:fontRef>
+        </p:style>
+        <p:txBody>
+          <a:bodyPr lIns="417913" tIns="208954" rIns="417913" bIns="208954" rtlCol="0" anchor="ctr"/>
+          <a:lstStyle/>
+          <a:p>
+            <a:pPr algn="ctr"/>
+            <a:endParaRPr lang="en-US">
+              <a:latin typeface="Helvetica"/>
+              <a:cs typeface="Helvetica"/>
+            </a:endParaRPr>
+          </a:p>
+        </p:txBody>
+      </p:sp>
+      <p:sp>
+        <p:nvSpPr>
+          <p:cNvPr id="4" name="Rectangle 3"/>
+          <p:cNvSpPr/>
+          <p:nvPr/>
+        </p:nvSpPr>
+        <p:spPr>
+          <a:xfrm rot="5400000">
+            <a:off x="16627116" y="-16627120"/>
+            <a:ext cx="3321760" cy="36576000"/>
+          </a:xfrm>
+          <a:prstGeom prst="rect">
+            <a:avLst/>
+          </a:prstGeom>
+          <a:solidFill>
+            <a:srgbClr val="1C2939"/>
+          </a:solidFill>
+          <a:ln>
+            <a:noFill/>
+          </a:ln>
+          <a:effectLst/>
+        </p:spPr>
+        <p:style>
+          <a:lnRef idx="1">
+            <a:schemeClr val="accent1"/>
+          </a:lnRef>
+          <a:fillRef idx="3">
+            <a:schemeClr val="accent1"/>
+          </a:fillRef>
+          <a:effectRef idx="2">
+            <a:schemeClr val="accent1"/>
+          </a:effectRef>
+          <a:fontRef idx="minor">
+            <a:schemeClr val="lt1"/>
+          </a:fontRef>
+        </p:style>
+        <p:txBody>
+          <a:bodyPr lIns="417913" tIns="208954" rIns="417913" bIns="208954" rtlCol="0" anchor="ctr"/>
+          <a:lstStyle/>
+          <a:p>
+            <a:pPr algn="ctr"/>
+            <a:endParaRPr lang="en-US">
+              <a:latin typeface="Helvetica"/>
+              <a:cs typeface="Helvetica"/>
+            </a:endParaRPr>
+          </a:p>
+        </p:txBody>
+      </p:sp>
+      <p:sp>
+        <p:nvSpPr>
+          <p:cNvPr id="5" name="Rectangle 4"/>
+          <p:cNvSpPr/>
+          <p:nvPr/>
+        </p:nvSpPr>
+        <p:spPr>
+          <a:xfrm rot="5400000">
+            <a:off x="16627120" y="-9983600"/>
+            <a:ext cx="3321760" cy="36576000"/>
+          </a:xfrm>
+          <a:prstGeom prst="rect">
+            <a:avLst/>
+          </a:prstGeom>
+          <a:solidFill>
+            <a:srgbClr val="E8EEED"/>
+          </a:solidFill>
+          <a:ln>
+            <a:solidFill>
+              <a:srgbClr val="E7ECEE"/>
+            </a:solidFill>
+          </a:ln>
+          <a:effectLst/>
+        </p:spPr>
+        <p:style>
+          <a:lnRef idx="1">
+            <a:schemeClr val="accent1"/>
+          </a:lnRef>
+          <a:fillRef idx="3">
+            <a:schemeClr val="accent1"/>
+          </a:fillRef>
+          <a:effectRef idx="2">
+            <a:schemeClr val="accent1"/>
+          </a:effectRef>
+          <a:fontRef idx="minor">
+            <a:schemeClr val="lt1"/>
+          </a:fontRef>
+        </p:style>
+        <p:txBody>
+          <a:bodyPr lIns="417913" tIns="208954" rIns="417913" bIns="208954" rtlCol="0" anchor="ctr"/>
+          <a:lstStyle/>
+          <a:p>
+            <a:pPr algn="ctr"/>
+            <a:endParaRPr lang="en-US">
+              <a:latin typeface="Helvetica"/>
+              <a:cs typeface="Helvetica"/>
+            </a:endParaRPr>
+          </a:p>
+        </p:txBody>
+      </p:sp>
+      <p:sp>
+        <p:nvSpPr>
+          <p:cNvPr id="6" name="Rectangle 5"/>
+          <p:cNvSpPr/>
+          <p:nvPr/>
+        </p:nvSpPr>
+        <p:spPr>
+          <a:xfrm rot="5400000">
+            <a:off x="16627120" y="-13305360"/>
+            <a:ext cx="3321760" cy="36576000"/>
+          </a:xfrm>
+          <a:prstGeom prst="rect">
+            <a:avLst/>
+          </a:prstGeom>
+          <a:solidFill>
+            <a:srgbClr val="2B84D2"/>
+          </a:solidFill>
+          <a:ln>
+            <a:noFill/>
+          </a:ln>
+          <a:effectLst/>
+        </p:spPr>
+        <p:style>
+          <a:lnRef idx="1">
+            <a:schemeClr val="accent1"/>
+          </a:lnRef>
+          <a:fillRef idx="3">
+            <a:schemeClr val="accent1"/>
+          </a:fillRef>
+          <a:effectRef idx="2">
+            <a:schemeClr val="accent1"/>
+          </a:effectRef>
+          <a:fontRef idx="minor">
+            <a:schemeClr val="lt1"/>
+          </a:fontRef>
+        </p:style>
+        <p:txBody>
+          <a:bodyPr lIns="417913" tIns="208954" rIns="417913" bIns="208954" rtlCol="0" anchor="ctr"/>
+          <a:lstStyle/>
+          <a:p>
+            <a:pPr algn="ctr"/>
+            <a:endParaRPr lang="en-US">
+              <a:latin typeface="Helvetica"/>
+              <a:cs typeface="Helvetica"/>
+            </a:endParaRPr>
+          </a:p>
+        </p:txBody>
+      </p:sp>
+      <p:sp>
+        <p:nvSpPr>
+          <p:cNvPr id="7" name="Rectangle 6"/>
+          <p:cNvSpPr/>
+          <p:nvPr/>
+        </p:nvSpPr>
+        <p:spPr>
+          <a:xfrm rot="5400000">
+            <a:off x="16627116" y="-3340080"/>
+            <a:ext cx="3321760" cy="36576000"/>
+          </a:xfrm>
+          <a:prstGeom prst="rect">
+            <a:avLst/>
+          </a:prstGeom>
+          <a:solidFill>
+            <a:srgbClr val="FFFFFF"/>
+          </a:solidFill>
+          <a:ln>
+            <a:noFill/>
+          </a:ln>
+          <a:effectLst/>
+        </p:spPr>
+        <p:style>
+          <a:lnRef idx="1">
+            <a:schemeClr val="accent1"/>
+          </a:lnRef>
+          <a:fillRef idx="3">
+            <a:schemeClr val="accent1"/>
+          </a:fillRef>
+          <a:effectRef idx="2">
+            <a:schemeClr val="accent1"/>
+          </a:effectRef>
+          <a:fontRef idx="minor">
+            <a:schemeClr val="lt1"/>
+          </a:fontRef>
+        </p:style>
+        <p:txBody>
+          <a:bodyPr lIns="417913" tIns="208954" rIns="417913" bIns="208954" rtlCol="0" anchor="ctr"/>
+          <a:lstStyle/>
+          <a:p>
+            <a:pPr algn="ctr"/>
+            <a:endParaRPr lang="en-US">
+              <a:latin typeface="Helvetica"/>
+              <a:cs typeface="Helvetica"/>
+            </a:endParaRPr>
+          </a:p>
+        </p:txBody>
+      </p:sp>
+      <p:sp>
+        <p:nvSpPr>
+          <p:cNvPr id="8" name="TextBox 7"/>
+          <p:cNvSpPr txBox="1"/>
+          <p:nvPr/>
+        </p:nvSpPr>
+        <p:spPr>
+          <a:xfrm>
+            <a:off x="0" y="16804198"/>
+            <a:ext cx="16413403" cy="5293756"/>
+          </a:xfrm>
+          <a:prstGeom prst="rect">
+            <a:avLst/>
+          </a:prstGeom>
+          <a:noFill/>
+        </p:spPr>
+        <p:txBody>
+          <a:bodyPr wrap="square" rtlCol="0">
+            <a:spAutoFit/>
+          </a:bodyPr>
+          <a:lstStyle/>
+          <a:p>
+            <a:r>
+              <a:rPr lang="en-US" sz="12000" b="1" dirty="0" smtClean="0">
+                <a:latin typeface="Helvetica"/>
+                <a:cs typeface="Helvetica"/>
+              </a:rPr>
+              <a:t>Title</a:t>
+            </a:r>
+          </a:p>
+          <a:p>
+            <a:r>
+              <a:rPr lang="en-US" b="1" dirty="0" smtClean="0">
+                <a:latin typeface="Helvetica"/>
+                <a:cs typeface="Helvetica"/>
+              </a:rPr>
+              <a:t>Heading</a:t>
+            </a:r>
+          </a:p>
+          <a:p>
+            <a:r>
+              <a:rPr lang="en-US" dirty="0" smtClean="0">
+                <a:latin typeface="Garamond"/>
+                <a:cs typeface="Garamond"/>
+              </a:rPr>
+              <a:t>Attribution</a:t>
+            </a:r>
+          </a:p>
+          <a:p>
+            <a:r>
+              <a:rPr lang="en-US" sz="5400" dirty="0" smtClean="0">
+                <a:latin typeface="Garamond"/>
+                <a:cs typeface="Garamond"/>
+              </a:rPr>
+              <a:t>Body Text</a:t>
+            </a:r>
+            <a:endParaRPr lang="en-US" sz="5400" dirty="0">
+              <a:latin typeface="Garamond"/>
+              <a:cs typeface="Garamond"/>
+            </a:endParaRPr>
+          </a:p>
+        </p:txBody>
+      </p:sp>
+    </p:spTree>
+    <p:extLst>
+      <p:ext uri="{BB962C8B-B14F-4D97-AF65-F5344CB8AC3E}">
+        <p14:creationId xmlns:p14="http://schemas.microsoft.com/office/powerpoint/2010/main" val="2203279456"/>
       </p:ext>
     </p:extLst>
   </p:cSld>
